--- a/Poster.pptx
+++ b/Poster.pptx
@@ -3535,8 +3535,21 @@
             <a:pPr algn="ctr"/>
             <a:r>
               <a:rPr lang="en-US" sz="8800" b="1" dirty="0" smtClean="0"/>
-              <a:t>Heart rate monitor</a:t>
-            </a:r>
+              <a:t>Heart </a:t>
+            </a:r>
+            <a:r>
+              <a:rPr lang="en-US" sz="8800" b="1" dirty="0" smtClean="0"/>
+              <a:t>Rate </a:t>
+            </a:r>
+            <a:r>
+              <a:rPr lang="en-US" sz="8800" b="1" dirty="0"/>
+              <a:t>M</a:t>
+            </a:r>
+            <a:r>
+              <a:rPr lang="en-US" sz="8800" b="1" dirty="0" smtClean="0"/>
+              <a:t>onitor</a:t>
+            </a:r>
+            <a:endParaRPr lang="en-US" sz="8800" b="1" dirty="0" smtClean="0"/>
           </a:p>
           <a:p>
             <a:pPr algn="ctr"/>
@@ -3575,7 +3588,6 @@
               <a:rPr lang="de-DE" sz="4000" dirty="0" smtClean="0"/>
               <a:t>Fabian Meyer</a:t>
             </a:r>
-            <a:endParaRPr lang="de-DE" sz="4000" dirty="0" smtClean="0"/>
           </a:p>
           <a:p>
             <a:pPr algn="ctr"/>
@@ -3820,7 +3832,11 @@
               </a:r>
               <a:r>
                 <a:rPr lang="en-US" sz="3500" dirty="0" smtClean="0"/>
-                <a:t> from scratch, so all internal functionality is known to the user and changes can be applied to it.</a:t>
+                <a:t> from scratch, so all internal functionality is </a:t>
+              </a:r>
+              <a:r>
+                <a:rPr lang="en-US" sz="3500" dirty="0" smtClean="0"/>
+                <a:t>known. Further projects can use these implementation and apply changes according to their application field.</a:t>
               </a:r>
               <a:endParaRPr lang="de-DE" sz="3500" dirty="0"/>
             </a:p>
@@ -4021,7 +4037,7 @@
               </a:r>
               <a:r>
                 <a:rPr lang="de-DE" sz="3500" dirty="0" err="1" smtClean="0"/>
-                <a:t>measure</a:t>
+                <a:t>measured</a:t>
               </a:r>
               <a:r>
                 <a:rPr lang="de-DE" sz="3500" dirty="0" smtClean="0"/>
@@ -4711,9 +4727,9 @@
         <p:grpSpPr>
           <a:xfrm>
             <a:off x="1495329" y="24404658"/>
-            <a:ext cx="14073286" cy="8158239"/>
+            <a:ext cx="15156826" cy="7558075"/>
             <a:chOff x="5567295" y="14331901"/>
-            <a:chExt cx="13287468" cy="8584892"/>
+            <a:chExt cx="13287468" cy="7953341"/>
           </a:xfrm>
         </p:grpSpPr>
         <p:grpSp>
@@ -4755,10 +4771,6 @@
                 <a:r>
                   <a:rPr lang="de-DE" dirty="0" smtClean="0"/>
                   <a:t>Prototype Features</a:t>
-                </a:r>
-                <a:r>
-                  <a:rPr lang="de-DE" dirty="0" smtClean="0"/>
-                  <a:t/>
                 </a:r>
                 <a:br>
                   <a:rPr lang="de-DE" dirty="0" smtClean="0"/>
@@ -4803,7 +4815,7 @@
           <p:spPr>
             <a:xfrm>
               <a:off x="5600479" y="15872568"/>
-              <a:ext cx="13144592" cy="7044225"/>
+              <a:ext cx="13144592" cy="6412674"/>
             </a:xfrm>
             <a:prstGeom prst="rect">
               <a:avLst/>
@@ -4932,10 +4944,11 @@
               </a:r>
             </a:p>
             <a:p>
-              <a:r>
-                <a:rPr lang="de-DE" sz="3900" dirty="0" smtClean="0"/>
-                <a:t> </a:t>
-              </a:r>
+              <a:pPr>
+                <a:buFont typeface="Wingdings" pitchFamily="2" charset="2"/>
+                <a:buChar char="§"/>
+              </a:pPr>
+              <a:endParaRPr lang="de-DE" sz="3900" dirty="0" smtClean="0"/>
             </a:p>
             <a:p>
               <a:pPr>
@@ -4947,6 +4960,34 @@
                 <a:t> </a:t>
               </a:r>
               <a:r>
+                <a:rPr lang="de-DE" sz="3900" dirty="0" smtClean="0"/>
+                <a:t>Signal </a:t>
+              </a:r>
+              <a:r>
+                <a:rPr lang="de-DE" sz="3900" dirty="0" err="1" smtClean="0"/>
+                <a:t>processing</a:t>
+              </a:r>
+              <a:r>
+                <a:rPr lang="de-DE" sz="3900" dirty="0" smtClean="0"/>
+                <a:t> </a:t>
+              </a:r>
+              <a:r>
+                <a:rPr lang="de-DE" sz="3900" dirty="0" err="1" smtClean="0"/>
+                <a:t>with</a:t>
+              </a:r>
+              <a:r>
+                <a:rPr lang="de-DE" sz="3900" dirty="0" smtClean="0"/>
+                <a:t> </a:t>
+              </a:r>
+              <a:r>
+                <a:rPr lang="de-DE" sz="3900" dirty="0" err="1" smtClean="0"/>
+                <a:t>the</a:t>
+              </a:r>
+              <a:r>
+                <a:rPr lang="de-DE" sz="3900" dirty="0" smtClean="0"/>
+                <a:t> Fourier Transformation (</a:t>
+              </a:r>
+              <a:r>
                 <a:rPr lang="de-DE" sz="3900" dirty="0" err="1" smtClean="0"/>
                 <a:t>filtering</a:t>
               </a:r>
@@ -4964,30 +5005,6 @@
               </a:r>
               <a:r>
                 <a:rPr lang="de-DE" sz="3900" dirty="0" err="1" smtClean="0"/>
-                <a:t>convolution</a:t>
-              </a:r>
-              <a:r>
-                <a:rPr lang="de-DE" sz="3900" dirty="0" smtClean="0"/>
-                <a:t> </a:t>
-              </a:r>
-              <a:r>
-                <a:rPr lang="de-DE" sz="3900" dirty="0" err="1" smtClean="0"/>
-                <a:t>and</a:t>
-              </a:r>
-              <a:r>
-                <a:rPr lang="de-DE" sz="3900" dirty="0" smtClean="0"/>
-                <a:t> </a:t>
-              </a:r>
-              <a:r>
-                <a:rPr lang="de-DE" sz="3900" dirty="0" err="1" smtClean="0"/>
-                <a:t>applying</a:t>
-              </a:r>
-              <a:r>
-                <a:rPr lang="de-DE" sz="3900" dirty="0" smtClean="0"/>
-                <a:t> a </a:t>
-              </a:r>
-              <a:r>
-                <a:rPr lang="de-DE" sz="3900" dirty="0" err="1" smtClean="0"/>
                 <a:t>window</a:t>
               </a:r>
               <a:r>
@@ -5000,11 +5017,60 @@
               </a:r>
               <a:r>
                 <a:rPr lang="de-DE" sz="3900" dirty="0" smtClean="0"/>
+                <a:t>, …)</a:t>
+              </a:r>
+            </a:p>
+            <a:p>
+              <a:pPr>
+                <a:buFont typeface="Wingdings" pitchFamily="2" charset="2"/>
+                <a:buChar char="§"/>
+              </a:pPr>
+              <a:endParaRPr lang="de-DE" sz="3900" dirty="0"/>
+            </a:p>
+            <a:p>
+              <a:pPr>
+                <a:buFont typeface="Wingdings" pitchFamily="2" charset="2"/>
+                <a:buChar char="§"/>
+              </a:pPr>
+              <a:r>
+                <a:rPr lang="de-DE" sz="3900" dirty="0" smtClean="0"/>
+                <a:t> </a:t>
+              </a:r>
+              <a:r>
+                <a:rPr lang="de-DE" sz="3900" b="1" dirty="0"/>
+                <a:t>H</a:t>
+              </a:r>
+              <a:r>
+                <a:rPr lang="de-DE" sz="3900" b="1" dirty="0" smtClean="0"/>
+                <a:t>igh </a:t>
+              </a:r>
+              <a:r>
+                <a:rPr lang="de-DE" sz="3900" b="1" dirty="0" err="1" smtClean="0"/>
+                <a:t>quality</a:t>
+              </a:r>
+              <a:r>
+                <a:rPr lang="de-DE" sz="3900" b="1" dirty="0" smtClean="0"/>
+                <a:t> </a:t>
+              </a:r>
+              <a:r>
+                <a:rPr lang="de-DE" sz="3900" b="1" dirty="0" err="1" smtClean="0"/>
+                <a:t>and</a:t>
+              </a:r>
+              <a:r>
+                <a:rPr lang="de-DE" sz="3900" b="1" dirty="0" smtClean="0"/>
+                <a:t> high </a:t>
+              </a:r>
+              <a:r>
+                <a:rPr lang="de-DE" sz="3900" b="1" dirty="0" err="1" smtClean="0"/>
+                <a:t>precision</a:t>
+              </a:r>
+              <a:r>
+                <a:rPr lang="de-DE" sz="3900" b="1" dirty="0" smtClean="0"/>
                 <a:t> </a:t>
               </a:r>
               <a:r>
                 <a:rPr lang="de-DE" sz="3900" dirty="0" err="1" smtClean="0"/>
-                <a:t>done</a:t>
+                <a:t>heart</a:t>
               </a:r>
               <a:r>
                 <a:rPr lang="de-DE" sz="3900" dirty="0" smtClean="0"/>
@@ -5012,23 +5078,7 @@
               </a:r>
               <a:r>
                 <a:rPr lang="de-DE" sz="3900" dirty="0" err="1" smtClean="0"/>
-                <a:t>by</a:t>
-              </a:r>
-              <a:r>
-                <a:rPr lang="de-DE" sz="3900" dirty="0" smtClean="0"/>
-                <a:t> </a:t>
-              </a:r>
-              <a:r>
-                <a:rPr lang="de-DE" sz="3900" dirty="0" err="1" smtClean="0"/>
-                <a:t>the</a:t>
-              </a:r>
-              <a:r>
-                <a:rPr lang="de-DE" sz="3900" dirty="0" smtClean="0"/>
-                <a:t> </a:t>
-              </a:r>
-              <a:r>
-                <a:rPr lang="de-DE" sz="3900" dirty="0" err="1" smtClean="0"/>
-                <a:t>application</a:t>
+                <a:t>rates</a:t>
               </a:r>
               <a:endParaRPr lang="de-DE" sz="3900" dirty="0" smtClean="0"/>
             </a:p>
@@ -5049,64 +5099,6 @@
                 <a:t> </a:t>
               </a:r>
               <a:r>
-                <a:rPr lang="de-DE" sz="3900" b="1" dirty="0" smtClean="0"/>
-                <a:t>high </a:t>
-              </a:r>
-              <a:r>
-                <a:rPr lang="de-DE" sz="3900" b="1" dirty="0" err="1" smtClean="0"/>
-                <a:t>quality</a:t>
-              </a:r>
-              <a:r>
-                <a:rPr lang="de-DE" sz="3900" b="1" dirty="0" smtClean="0"/>
-                <a:t> </a:t>
-              </a:r>
-              <a:r>
-                <a:rPr lang="de-DE" sz="3900" b="1" dirty="0" err="1" smtClean="0"/>
-                <a:t>and</a:t>
-              </a:r>
-              <a:r>
-                <a:rPr lang="de-DE" sz="3900" b="1" dirty="0" smtClean="0"/>
-                <a:t> high </a:t>
-              </a:r>
-              <a:r>
-                <a:rPr lang="de-DE" sz="3900" b="1" dirty="0" err="1" smtClean="0"/>
-                <a:t>precision</a:t>
-              </a:r>
-              <a:r>
-                <a:rPr lang="de-DE" sz="3900" b="1" dirty="0" smtClean="0"/>
-                <a:t> </a:t>
-              </a:r>
-              <a:r>
-                <a:rPr lang="de-DE" sz="3900" dirty="0" err="1" smtClean="0"/>
-                <a:t>heart</a:t>
-              </a:r>
-              <a:r>
-                <a:rPr lang="de-DE" sz="3900" dirty="0" smtClean="0"/>
-                <a:t> </a:t>
-              </a:r>
-              <a:r>
-                <a:rPr lang="de-DE" sz="3900" dirty="0" err="1" smtClean="0"/>
-                <a:t>rates</a:t>
-              </a:r>
-              <a:endParaRPr lang="de-DE" sz="3900" dirty="0" smtClean="0"/>
-            </a:p>
-            <a:p>
-              <a:pPr>
-                <a:buFont typeface="Wingdings" pitchFamily="2" charset="2"/>
-                <a:buChar char="§"/>
-              </a:pPr>
-              <a:endParaRPr lang="de-DE" sz="3900" dirty="0"/>
-            </a:p>
-            <a:p>
-              <a:pPr>
-                <a:buFont typeface="Wingdings" pitchFamily="2" charset="2"/>
-                <a:buChar char="§"/>
-              </a:pPr>
-              <a:r>
-                <a:rPr lang="de-DE" sz="3900" dirty="0" smtClean="0"/>
-                <a:t> </a:t>
-              </a:r>
-              <a:r>
                 <a:rPr lang="de-DE" sz="3900" dirty="0" err="1" smtClean="0"/>
                 <a:t>visually</a:t>
               </a:r>
@@ -5144,8 +5136,13 @@
               </a:r>
               <a:r>
                 <a:rPr lang="de-DE" sz="3900" dirty="0" smtClean="0"/>
-                <a:t> QT</a:t>
-              </a:r>
+                <a:t> </a:t>
+              </a:r>
+              <a:r>
+                <a:rPr lang="de-DE" sz="3900" dirty="0" err="1" smtClean="0"/>
+                <a:t>Qt</a:t>
+              </a:r>
+              <a:endParaRPr lang="de-DE" sz="3900" dirty="0" smtClean="0"/>
             </a:p>
           </p:txBody>
         </p:sp>
@@ -5204,8 +5201,8 @@
           <a:p>
             <a:pPr algn="ctr"/>
             <a:r>
-              <a:rPr lang="de-DE" sz="4000" dirty="0" err="1" smtClean="0"/>
-              <a:t>JeGa</a:t>
+              <a:rPr lang="de-DE" sz="4000" dirty="0" smtClean="0"/>
+              <a:t>Jens Gansloser</a:t>
             </a:r>
             <a:endParaRPr lang="de-DE" sz="4000" dirty="0" smtClean="0"/>
           </a:p>
@@ -5242,12 +5239,404 @@
             <a:pPr algn="ctr"/>
             <a:r>
               <a:rPr lang="de-DE" sz="4000" dirty="0" smtClean="0"/>
-              <a:t>jega@htwg-konstanz.de</a:t>
+              <a:t>jeganslo@htwg-konstanz.de</a:t>
             </a:r>
             <a:endParaRPr lang="de-DE" sz="4000" dirty="0"/>
           </a:p>
         </p:txBody>
       </p:sp>
+      <p:grpSp>
+        <p:nvGrpSpPr>
+          <p:cNvPr id="39" name="Gruppieren 38"/>
+          <p:cNvGrpSpPr/>
+          <p:nvPr/>
+        </p:nvGrpSpPr>
+        <p:grpSpPr>
+          <a:xfrm>
+            <a:off x="1818507" y="33069558"/>
+            <a:ext cx="13913573" cy="2304255"/>
+            <a:chOff x="251520" y="1985525"/>
+            <a:chExt cx="8712968" cy="939419"/>
+          </a:xfrm>
+        </p:grpSpPr>
+        <p:sp>
+          <p:nvSpPr>
+            <p:cNvPr id="40" name="Rechteck 39"/>
+            <p:cNvSpPr/>
+            <p:nvPr/>
+          </p:nvSpPr>
+          <p:spPr>
+            <a:xfrm>
+              <a:off x="251520" y="1985525"/>
+              <a:ext cx="1584176" cy="936104"/>
+            </a:xfrm>
+            <a:prstGeom prst="rect">
+              <a:avLst/>
+            </a:prstGeom>
+          </p:spPr>
+          <p:style>
+            <a:lnRef idx="1">
+              <a:schemeClr val="accent5"/>
+            </a:lnRef>
+            <a:fillRef idx="2">
+              <a:schemeClr val="accent5"/>
+            </a:fillRef>
+            <a:effectRef idx="1">
+              <a:schemeClr val="accent5"/>
+            </a:effectRef>
+            <a:fontRef idx="minor">
+              <a:schemeClr val="dk1"/>
+            </a:fontRef>
+          </p:style>
+          <p:txBody>
+            <a:bodyPr rtlCol="0" anchor="ctr"/>
+            <a:lstStyle/>
+            <a:p>
+              <a:pPr algn="ctr"/>
+              <a:r>
+                <a:rPr lang="de-DE" sz="3600" dirty="0" smtClean="0"/>
+                <a:t>Filter</a:t>
+              </a:r>
+              <a:endParaRPr lang="en-US" sz="3600" dirty="0"/>
+            </a:p>
+          </p:txBody>
+        </p:sp>
+        <p:sp>
+          <p:nvSpPr>
+            <p:cNvPr id="41" name="Rechteck 40"/>
+            <p:cNvSpPr/>
+            <p:nvPr/>
+          </p:nvSpPr>
+          <p:spPr>
+            <a:xfrm>
+              <a:off x="2033718" y="1988840"/>
+              <a:ext cx="1584176" cy="936104"/>
+            </a:xfrm>
+            <a:prstGeom prst="rect">
+              <a:avLst/>
+            </a:prstGeom>
+          </p:spPr>
+          <p:style>
+            <a:lnRef idx="1">
+              <a:schemeClr val="accent5"/>
+            </a:lnRef>
+            <a:fillRef idx="2">
+              <a:schemeClr val="accent5"/>
+            </a:fillRef>
+            <a:effectRef idx="1">
+              <a:schemeClr val="accent5"/>
+            </a:effectRef>
+            <a:fontRef idx="minor">
+              <a:schemeClr val="dk1"/>
+            </a:fontRef>
+          </p:style>
+          <p:txBody>
+            <a:bodyPr rtlCol="0" anchor="ctr"/>
+            <a:lstStyle/>
+            <a:p>
+              <a:pPr algn="ctr"/>
+              <a:r>
+                <a:rPr lang="de-DE" sz="3600" dirty="0" err="1" smtClean="0"/>
+                <a:t>Window</a:t>
+              </a:r>
+              <a:r>
+                <a:rPr lang="de-DE" sz="3600" dirty="0" smtClean="0"/>
+                <a:t> </a:t>
+              </a:r>
+              <a:r>
+                <a:rPr lang="de-DE" sz="3600" dirty="0" err="1" smtClean="0"/>
+                <a:t>Function</a:t>
+              </a:r>
+              <a:endParaRPr lang="en-US" sz="3600" dirty="0"/>
+            </a:p>
+          </p:txBody>
+        </p:sp>
+        <p:sp>
+          <p:nvSpPr>
+            <p:cNvPr id="42" name="Rechteck 41"/>
+            <p:cNvSpPr/>
+            <p:nvPr/>
+          </p:nvSpPr>
+          <p:spPr>
+            <a:xfrm>
+              <a:off x="5598114" y="1988840"/>
+              <a:ext cx="1584176" cy="936104"/>
+            </a:xfrm>
+            <a:prstGeom prst="rect">
+              <a:avLst/>
+            </a:prstGeom>
+          </p:spPr>
+          <p:style>
+            <a:lnRef idx="1">
+              <a:schemeClr val="accent5"/>
+            </a:lnRef>
+            <a:fillRef idx="2">
+              <a:schemeClr val="accent5"/>
+            </a:fillRef>
+            <a:effectRef idx="1">
+              <a:schemeClr val="accent5"/>
+            </a:effectRef>
+            <a:fontRef idx="minor">
+              <a:schemeClr val="dk1"/>
+            </a:fontRef>
+          </p:style>
+          <p:txBody>
+            <a:bodyPr rtlCol="0" anchor="ctr"/>
+            <a:lstStyle/>
+            <a:p>
+              <a:pPr algn="ctr"/>
+              <a:r>
+                <a:rPr lang="de-DE" sz="3600" dirty="0" smtClean="0"/>
+                <a:t>FFT</a:t>
+              </a:r>
+              <a:endParaRPr lang="en-US" sz="3600" dirty="0"/>
+            </a:p>
+          </p:txBody>
+        </p:sp>
+        <p:sp>
+          <p:nvSpPr>
+            <p:cNvPr id="43" name="Rechteck 42"/>
+            <p:cNvSpPr/>
+            <p:nvPr/>
+          </p:nvSpPr>
+          <p:spPr>
+            <a:xfrm>
+              <a:off x="7380312" y="1988840"/>
+              <a:ext cx="1584176" cy="936104"/>
+            </a:xfrm>
+            <a:prstGeom prst="rect">
+              <a:avLst/>
+            </a:prstGeom>
+          </p:spPr>
+          <p:style>
+            <a:lnRef idx="1">
+              <a:schemeClr val="accent5"/>
+            </a:lnRef>
+            <a:fillRef idx="2">
+              <a:schemeClr val="accent5"/>
+            </a:fillRef>
+            <a:effectRef idx="1">
+              <a:schemeClr val="accent5"/>
+            </a:effectRef>
+            <a:fontRef idx="minor">
+              <a:schemeClr val="dk1"/>
+            </a:fontRef>
+          </p:style>
+          <p:txBody>
+            <a:bodyPr rtlCol="0" anchor="ctr"/>
+            <a:lstStyle/>
+            <a:p>
+              <a:pPr algn="ctr"/>
+              <a:r>
+                <a:rPr lang="de-DE" sz="3600" dirty="0" err="1" smtClean="0"/>
+                <a:t>Converting</a:t>
+              </a:r>
+              <a:r>
+                <a:rPr lang="de-DE" sz="3600" dirty="0" smtClean="0"/>
+                <a:t>/</a:t>
+              </a:r>
+            </a:p>
+            <a:p>
+              <a:pPr algn="ctr"/>
+              <a:r>
+                <a:rPr lang="de-DE" sz="3600" dirty="0" err="1" smtClean="0"/>
+                <a:t>Scaling</a:t>
+              </a:r>
+              <a:endParaRPr lang="en-US" sz="3600" dirty="0"/>
+            </a:p>
+          </p:txBody>
+        </p:sp>
+        <p:cxnSp>
+          <p:nvCxnSpPr>
+            <p:cNvPr id="44" name="Gerade Verbindung mit Pfeil 43"/>
+            <p:cNvCxnSpPr>
+              <a:stCxn id="40" idx="3"/>
+              <a:endCxn id="41" idx="1"/>
+            </p:cNvCxnSpPr>
+            <p:nvPr/>
+          </p:nvCxnSpPr>
+          <p:spPr>
+            <a:xfrm>
+              <a:off x="1835696" y="2453577"/>
+              <a:ext cx="198022" cy="3315"/>
+            </a:xfrm>
+            <a:prstGeom prst="straightConnector1">
+              <a:avLst/>
+            </a:prstGeom>
+            <a:ln>
+              <a:tailEnd type="arrow"/>
+            </a:ln>
+          </p:spPr>
+          <p:style>
+            <a:lnRef idx="2">
+              <a:schemeClr val="accent1"/>
+            </a:lnRef>
+            <a:fillRef idx="0">
+              <a:schemeClr val="accent1"/>
+            </a:fillRef>
+            <a:effectRef idx="1">
+              <a:schemeClr val="accent1"/>
+            </a:effectRef>
+            <a:fontRef idx="minor">
+              <a:schemeClr val="tx1"/>
+            </a:fontRef>
+          </p:style>
+        </p:cxnSp>
+        <p:cxnSp>
+          <p:nvCxnSpPr>
+            <p:cNvPr id="45" name="Gerade Verbindung mit Pfeil 44"/>
+            <p:cNvCxnSpPr>
+              <a:stCxn id="41" idx="3"/>
+              <a:endCxn id="47" idx="1"/>
+            </p:cNvCxnSpPr>
+            <p:nvPr/>
+          </p:nvCxnSpPr>
+          <p:spPr>
+            <a:xfrm>
+              <a:off x="3617894" y="2456892"/>
+              <a:ext cx="198022" cy="0"/>
+            </a:xfrm>
+            <a:prstGeom prst="straightConnector1">
+              <a:avLst/>
+            </a:prstGeom>
+            <a:ln>
+              <a:tailEnd type="arrow"/>
+            </a:ln>
+          </p:spPr>
+          <p:style>
+            <a:lnRef idx="2">
+              <a:schemeClr val="accent1"/>
+            </a:lnRef>
+            <a:fillRef idx="0">
+              <a:schemeClr val="accent1"/>
+            </a:fillRef>
+            <a:effectRef idx="1">
+              <a:schemeClr val="accent1"/>
+            </a:effectRef>
+            <a:fontRef idx="minor">
+              <a:schemeClr val="tx1"/>
+            </a:fontRef>
+          </p:style>
+        </p:cxnSp>
+        <p:cxnSp>
+          <p:nvCxnSpPr>
+            <p:cNvPr id="46" name="Gerade Verbindung mit Pfeil 45"/>
+            <p:cNvCxnSpPr>
+              <a:stCxn id="42" idx="3"/>
+              <a:endCxn id="43" idx="1"/>
+            </p:cNvCxnSpPr>
+            <p:nvPr/>
+          </p:nvCxnSpPr>
+          <p:spPr>
+            <a:xfrm>
+              <a:off x="7182290" y="2456892"/>
+              <a:ext cx="198022" cy="0"/>
+            </a:xfrm>
+            <a:prstGeom prst="straightConnector1">
+              <a:avLst/>
+            </a:prstGeom>
+            <a:ln>
+              <a:tailEnd type="arrow"/>
+            </a:ln>
+          </p:spPr>
+          <p:style>
+            <a:lnRef idx="2">
+              <a:schemeClr val="accent1"/>
+            </a:lnRef>
+            <a:fillRef idx="0">
+              <a:schemeClr val="accent1"/>
+            </a:fillRef>
+            <a:effectRef idx="1">
+              <a:schemeClr val="accent1"/>
+            </a:effectRef>
+            <a:fontRef idx="minor">
+              <a:schemeClr val="tx1"/>
+            </a:fontRef>
+          </p:style>
+        </p:cxnSp>
+        <p:sp>
+          <p:nvSpPr>
+            <p:cNvPr id="47" name="Rechteck 46"/>
+            <p:cNvSpPr/>
+            <p:nvPr/>
+          </p:nvSpPr>
+          <p:spPr>
+            <a:xfrm>
+              <a:off x="3815916" y="1988840"/>
+              <a:ext cx="1584176" cy="936104"/>
+            </a:xfrm>
+            <a:prstGeom prst="rect">
+              <a:avLst/>
+            </a:prstGeom>
+          </p:spPr>
+          <p:style>
+            <a:lnRef idx="1">
+              <a:schemeClr val="accent5"/>
+            </a:lnRef>
+            <a:fillRef idx="2">
+              <a:schemeClr val="accent5"/>
+            </a:fillRef>
+            <a:effectRef idx="1">
+              <a:schemeClr val="accent5"/>
+            </a:effectRef>
+            <a:fontRef idx="minor">
+              <a:schemeClr val="dk1"/>
+            </a:fontRef>
+          </p:style>
+          <p:txBody>
+            <a:bodyPr rtlCol="0" anchor="ctr"/>
+            <a:lstStyle/>
+            <a:p>
+              <a:pPr algn="ctr"/>
+              <a:r>
+                <a:rPr lang="de-DE" sz="3600" dirty="0" smtClean="0"/>
+                <a:t>Zero </a:t>
+              </a:r>
+              <a:r>
+                <a:rPr lang="de-DE" sz="3600" dirty="0" err="1" smtClean="0"/>
+                <a:t>Padding</a:t>
+              </a:r>
+              <a:endParaRPr lang="en-US" sz="3600" dirty="0"/>
+            </a:p>
+          </p:txBody>
+        </p:sp>
+        <p:cxnSp>
+          <p:nvCxnSpPr>
+            <p:cNvPr id="48" name="Gerade Verbindung mit Pfeil 47"/>
+            <p:cNvCxnSpPr>
+              <a:stCxn id="47" idx="3"/>
+              <a:endCxn id="42" idx="1"/>
+            </p:cNvCxnSpPr>
+            <p:nvPr/>
+          </p:nvCxnSpPr>
+          <p:spPr>
+            <a:xfrm>
+              <a:off x="5400092" y="2456892"/>
+              <a:ext cx="198022" cy="0"/>
+            </a:xfrm>
+            <a:prstGeom prst="straightConnector1">
+              <a:avLst/>
+            </a:prstGeom>
+            <a:ln>
+              <a:tailEnd type="arrow"/>
+            </a:ln>
+          </p:spPr>
+          <p:style>
+            <a:lnRef idx="2">
+              <a:schemeClr val="accent1"/>
+            </a:lnRef>
+            <a:fillRef idx="0">
+              <a:schemeClr val="accent1"/>
+            </a:fillRef>
+            <a:effectRef idx="1">
+              <a:schemeClr val="accent1"/>
+            </a:effectRef>
+            <a:fontRef idx="minor">
+              <a:schemeClr val="tx1"/>
+            </a:fontRef>
+          </p:style>
+        </p:cxnSp>
+      </p:grpSp>
     </p:spTree>
   </p:cSld>
   <p:clrMapOvr>

--- a/Poster.pptx
+++ b/Poster.pptx
@@ -3535,11 +3535,7 @@
             <a:pPr algn="ctr"/>
             <a:r>
               <a:rPr lang="en-US" sz="8800" b="1" dirty="0" smtClean="0"/>
-              <a:t>Heart </a:t>
-            </a:r>
-            <a:r>
-              <a:rPr lang="en-US" sz="8800" b="1" dirty="0" smtClean="0"/>
-              <a:t>Rate </a:t>
+              <a:t>Heart Rate </a:t>
             </a:r>
             <a:r>
               <a:rPr lang="en-US" sz="8800" b="1" dirty="0"/>
@@ -3549,7 +3545,6 @@
               <a:rPr lang="en-US" sz="8800" b="1" dirty="0" smtClean="0"/>
               <a:t>onitor</a:t>
             </a:r>
-            <a:endParaRPr lang="en-US" sz="8800" b="1" dirty="0" smtClean="0"/>
           </a:p>
           <a:p>
             <a:pPr algn="ctr"/>
@@ -3832,11 +3827,7 @@
               </a:r>
               <a:r>
                 <a:rPr lang="en-US" sz="3500" dirty="0" smtClean="0"/>
-                <a:t> from scratch, so all internal functionality is </a:t>
-              </a:r>
-              <a:r>
-                <a:rPr lang="en-US" sz="3500" dirty="0" smtClean="0"/>
-                <a:t>known. Further projects can use these implementation and apply changes according to their application field.</a:t>
+                <a:t> from scratch, so all internal functionality is known. Further projects can use these implementation and apply changes according to their application field.</a:t>
               </a:r>
               <a:endParaRPr lang="de-DE" sz="3500" dirty="0"/>
             </a:p>
@@ -4957,11 +4948,7 @@
               </a:pPr>
               <a:r>
                 <a:rPr lang="de-DE" sz="3900" dirty="0" smtClean="0"/>
-                <a:t> </a:t>
-              </a:r>
-              <a:r>
-                <a:rPr lang="de-DE" sz="3900" dirty="0" smtClean="0"/>
-                <a:t>Signal </a:t>
+                <a:t> Signal </a:t>
               </a:r>
               <a:r>
                 <a:rPr lang="de-DE" sz="3900" dirty="0" err="1" smtClean="0"/>
@@ -5099,8 +5086,12 @@
                 <a:t> </a:t>
               </a:r>
               <a:r>
+                <a:rPr lang="de-DE" sz="3900" dirty="0" err="1"/>
+                <a:t>V</a:t>
+              </a:r>
+              <a:r>
                 <a:rPr lang="de-DE" sz="3900" dirty="0" err="1" smtClean="0"/>
-                <a:t>visually</a:t>
+                <a:t>isually</a:t>
               </a:r>
               <a:r>
                 <a:rPr lang="de-DE" sz="3900" dirty="0" smtClean="0"/>
@@ -5204,7 +5195,6 @@
               <a:rPr lang="de-DE" sz="4000" dirty="0" smtClean="0"/>
               <a:t>Jens Gansloser</a:t>
             </a:r>
-            <a:endParaRPr lang="de-DE" sz="4000" dirty="0" smtClean="0"/>
           </a:p>
           <a:p>
             <a:pPr algn="ctr"/>

--- a/Poster.pptx
+++ b/Poster.pptx
@@ -4172,7 +4172,7 @@
               </a:r>
               <a:r>
                 <a:rPr lang="de-DE" sz="3500" dirty="0" err="1" smtClean="0"/>
-                <a:t>emitts</a:t>
+                <a:t>emits</a:t>
               </a:r>
               <a:r>
                 <a:rPr lang="de-DE" sz="3500" dirty="0" smtClean="0"/>
@@ -4404,7 +4404,7 @@
               </a:r>
               <a:r>
                 <a:rPr lang="de-DE" sz="3500" b="1" dirty="0" err="1" smtClean="0"/>
-                <a:t>oxygenatd</a:t>
+                <a:t>oxygenated</a:t>
               </a:r>
               <a:r>
                 <a:rPr lang="de-DE" sz="3500" b="1" dirty="0" smtClean="0"/>
@@ -4420,7 +4420,7 @@
               </a:r>
               <a:r>
                 <a:rPr lang="de-DE" sz="3500" b="1" dirty="0" err="1" smtClean="0"/>
-                <a:t>lays</a:t>
+                <a:t>flows</a:t>
               </a:r>
               <a:r>
                 <a:rPr lang="de-DE" sz="3500" b="1" dirty="0" smtClean="0"/>
@@ -4432,7 +4432,11 @@
               </a:r>
               <a:r>
                 <a:rPr lang="de-DE" sz="3500" b="1" dirty="0" smtClean="0"/>
-                <a:t> LED </a:t>
+                <a:t> </a:t>
+              </a:r>
+              <a:r>
+                <a:rPr lang="de-DE" sz="3500" b="1" dirty="0" smtClean="0"/>
+                <a:t>LED </a:t>
               </a:r>
               <a:r>
                 <a:rPr lang="de-DE" sz="3500" b="1" dirty="0" err="1" smtClean="0"/>
